--- a/1º Cuatrimestre/[AA] Aprendizaje Automático/Aprendizaje por Refuerzo/Q-Learning/Q-Learning.pptx
+++ b/1º Cuatrimestre/[AA] Aprendizaje Automático/Aprendizaje por Refuerzo/Q-Learning/Q-Learning.pptx
@@ -112,6 +112,11 @@
       </a:defRPr>
     </a:lvl9pPr>
   </p:defaultTextStyle>
+  <p:extLst>
+    <p:ext uri="{EFAFB233-063F-42B5-8137-9DF3F51BA10A}">
+      <p15:sldGuideLst xmlns:p15="http://schemas.microsoft.com/office/powerpoint/2012/main"/>
+    </p:ext>
+  </p:extLst>
 </p:presentation>
 </file>
 
@@ -4999,10 +5004,10 @@
       </p:sp>
       <p:pic>
         <p:nvPicPr>
-          <p:cNvPr id="7" name="Imagen 6">
-            <a:extLst>
-              <a:ext uri="{FF2B5EF4-FFF2-40B4-BE49-F238E27FC236}">
-                <a16:creationId xmlns:a16="http://schemas.microsoft.com/office/drawing/2014/main" id="{47D1FA2F-5462-067E-4C41-95C02E121499}"/>
+          <p:cNvPr id="4" name="Imagen 3" descr="Código QR&#10;&#10;Descripción generada automáticamente">
+            <a:extLst>
+              <a:ext uri="{FF2B5EF4-FFF2-40B4-BE49-F238E27FC236}">
+                <a16:creationId xmlns:a16="http://schemas.microsoft.com/office/drawing/2014/main" id="{8D7D03D0-D448-67C6-9663-8A8AE7BEE1CD}"/>
               </a:ext>
             </a:extLst>
           </p:cNvPr>
@@ -5012,15 +5017,21 @@
           <p:nvPr/>
         </p:nvPicPr>
         <p:blipFill>
-          <a:blip r:embed="rId2"/>
+          <a:blip r:embed="rId2">
+            <a:extLst>
+              <a:ext uri="{28A0092B-C50C-407E-A947-70E740481C1C}">
+                <a14:useLocalDpi xmlns:a14="http://schemas.microsoft.com/office/drawing/2010/main" val="0"/>
+              </a:ext>
+            </a:extLst>
+          </a:blip>
           <a:stretch>
             <a:fillRect/>
           </a:stretch>
         </p:blipFill>
         <p:spPr>
           <a:xfrm>
-            <a:off x="585878" y="2012389"/>
-            <a:ext cx="5049520" cy="3808153"/>
+            <a:off x="552313" y="2253664"/>
+            <a:ext cx="5160716" cy="3880436"/>
           </a:xfrm>
           <a:prstGeom prst="rect">
             <a:avLst/>
@@ -5091,10 +5102,10 @@
       </p:sp>
       <p:pic>
         <p:nvPicPr>
-          <p:cNvPr id="7" name="Imagen 6" descr="Imagen que contiene Interfaz de usuario gráfica&#10;&#10;Descripción generada automáticamente">
-            <a:extLst>
-              <a:ext uri="{FF2B5EF4-FFF2-40B4-BE49-F238E27FC236}">
-                <a16:creationId xmlns:a16="http://schemas.microsoft.com/office/drawing/2014/main" id="{B681843E-192E-8F76-3EA7-E5C175D64C4D}"/>
+          <p:cNvPr id="4" name="Imagen 3" descr="Interfaz de usuario gráfica, Gráfico&#10;&#10;Descripción generada automáticamente">
+            <a:extLst>
+              <a:ext uri="{FF2B5EF4-FFF2-40B4-BE49-F238E27FC236}">
+                <a16:creationId xmlns:a16="http://schemas.microsoft.com/office/drawing/2014/main" id="{EEA26CDE-625E-C287-E4BE-2A6515D591E9}"/>
               </a:ext>
             </a:extLst>
           </p:cNvPr>
@@ -5117,8 +5128,8 @@
         </p:blipFill>
         <p:spPr>
           <a:xfrm>
-            <a:off x="243828" y="1744971"/>
-            <a:ext cx="5852172" cy="4389129"/>
+            <a:off x="225916" y="2012388"/>
+            <a:ext cx="8595813" cy="4121711"/>
           </a:xfrm>
           <a:prstGeom prst="rect">
             <a:avLst/>
@@ -5189,10 +5200,10 @@
       </p:sp>
       <p:pic>
         <p:nvPicPr>
-          <p:cNvPr id="7" name="Imagen 6" descr="Gráfico&#10;&#10;Descripción generada automáticamente con confianza media">
-            <a:extLst>
-              <a:ext uri="{FF2B5EF4-FFF2-40B4-BE49-F238E27FC236}">
-                <a16:creationId xmlns:a16="http://schemas.microsoft.com/office/drawing/2014/main" id="{42BF3654-F0C3-6338-B518-D25371D6D138}"/>
+          <p:cNvPr id="4" name="Imagen 3" descr="Gráfico&#10;&#10;Descripción generada automáticamente">
+            <a:extLst>
+              <a:ext uri="{FF2B5EF4-FFF2-40B4-BE49-F238E27FC236}">
+                <a16:creationId xmlns:a16="http://schemas.microsoft.com/office/drawing/2014/main" id="{641F4765-6AD6-8AEA-64DF-4923300C71BA}"/>
               </a:ext>
             </a:extLst>
           </p:cNvPr>
@@ -5215,8 +5226,8 @@
         </p:blipFill>
         <p:spPr>
           <a:xfrm>
-            <a:off x="243828" y="1744971"/>
-            <a:ext cx="5852172" cy="4389129"/>
+            <a:off x="203224" y="1947789"/>
+            <a:ext cx="8244028" cy="3953029"/>
           </a:xfrm>
           <a:prstGeom prst="rect">
             <a:avLst/>
@@ -5287,10 +5298,10 @@
       </p:sp>
       <p:pic>
         <p:nvPicPr>
-          <p:cNvPr id="7" name="Imagen 6" descr="Gráfico&#10;&#10;Descripción generada automáticamente">
-            <a:extLst>
-              <a:ext uri="{FF2B5EF4-FFF2-40B4-BE49-F238E27FC236}">
-                <a16:creationId xmlns:a16="http://schemas.microsoft.com/office/drawing/2014/main" id="{32BC5D36-ED81-2923-A59A-5C61F1A07A29}"/>
+          <p:cNvPr id="4" name="Imagen 3" descr="Gráfico&#10;&#10;Descripción generada automáticamente con confianza baja">
+            <a:extLst>
+              <a:ext uri="{FF2B5EF4-FFF2-40B4-BE49-F238E27FC236}">
+                <a16:creationId xmlns:a16="http://schemas.microsoft.com/office/drawing/2014/main" id="{CDC39279-9C53-C42F-1075-5976EC76FEA0}"/>
               </a:ext>
             </a:extLst>
           </p:cNvPr>
@@ -5313,8 +5324,8 @@
         </p:blipFill>
         <p:spPr>
           <a:xfrm>
-            <a:off x="243828" y="1744971"/>
-            <a:ext cx="5852172" cy="4389129"/>
+            <a:off x="311633" y="2012389"/>
+            <a:ext cx="8330548" cy="3994516"/>
           </a:xfrm>
           <a:prstGeom prst="rect">
             <a:avLst/>
